--- a/ppt 16-9/0631.是爱.pptx
+++ b/ppt 16-9/0631.是爱.pptx
@@ -129,7 +129,7 @@
           <p:cNvPr id="2" name="标题 1">
             <a:extLst>
               <a:ext uri="{FF2B5EF4-FFF2-40B4-BE49-F238E27FC236}">
-                <a16:creationId xmlns:a16="http://schemas.microsoft.com/office/drawing/2014/main" id="{4D0E03CE-5552-C872-DC0C-3CC294592687}"/>
+                <a16:creationId xmlns:a16="http://schemas.microsoft.com/office/drawing/2014/main" id="{B1822082-6BEC-F008-ABB7-FFC634B1EA46}"/>
               </a:ext>
             </a:extLst>
           </p:cNvPr>
@@ -166,7 +166,7 @@
           <p:cNvPr id="3" name="副标题 2">
             <a:extLst>
               <a:ext uri="{FF2B5EF4-FFF2-40B4-BE49-F238E27FC236}">
-                <a16:creationId xmlns:a16="http://schemas.microsoft.com/office/drawing/2014/main" id="{3B374CC2-142E-5488-93C4-0270222E7E04}"/>
+                <a16:creationId xmlns:a16="http://schemas.microsoft.com/office/drawing/2014/main" id="{F7B0DC46-81C0-4C5A-E1D1-916C91AFFD74}"/>
               </a:ext>
             </a:extLst>
           </p:cNvPr>
@@ -236,7 +236,7 @@
           <p:cNvPr id="4" name="日期占位符 3">
             <a:extLst>
               <a:ext uri="{FF2B5EF4-FFF2-40B4-BE49-F238E27FC236}">
-                <a16:creationId xmlns:a16="http://schemas.microsoft.com/office/drawing/2014/main" id="{9B0AB499-4ABA-24C4-30E3-84FA50C68365}"/>
+                <a16:creationId xmlns:a16="http://schemas.microsoft.com/office/drawing/2014/main" id="{1C1E47ED-1CF3-094D-3EF9-F548AAA11FFC}"/>
               </a:ext>
             </a:extLst>
           </p:cNvPr>
@@ -252,7 +252,7 @@
           <a:bodyPr/>
           <a:lstStyle/>
           <a:p>
-            <a:fld id="{EF2532CF-D80D-49C6-A922-22AC6E0D8933}" type="datetimeFigureOut">
+            <a:fld id="{8EBCC96F-16D5-4467-8B27-804E849946FB}" type="datetimeFigureOut">
               <a:rPr lang="zh-CN" altLang="en-US" smtClean="0"/>
               <a:t>2024/3/10</a:t>
             </a:fld>
@@ -265,7 +265,7 @@
           <p:cNvPr id="5" name="页脚占位符 4">
             <a:extLst>
               <a:ext uri="{FF2B5EF4-FFF2-40B4-BE49-F238E27FC236}">
-                <a16:creationId xmlns:a16="http://schemas.microsoft.com/office/drawing/2014/main" id="{A904C559-B2C8-CD1F-C65F-90E53A9446AD}"/>
+                <a16:creationId xmlns:a16="http://schemas.microsoft.com/office/drawing/2014/main" id="{6F0F7022-424B-55C6-2615-4020990BB782}"/>
               </a:ext>
             </a:extLst>
           </p:cNvPr>
@@ -290,7 +290,7 @@
           <p:cNvPr id="6" name="灯片编号占位符 5">
             <a:extLst>
               <a:ext uri="{FF2B5EF4-FFF2-40B4-BE49-F238E27FC236}">
-                <a16:creationId xmlns:a16="http://schemas.microsoft.com/office/drawing/2014/main" id="{DB8FE667-7992-8B29-7704-A88AE0E1E6BC}"/>
+                <a16:creationId xmlns:a16="http://schemas.microsoft.com/office/drawing/2014/main" id="{1A704021-A27B-74F5-2DAC-CCC5640BF31F}"/>
               </a:ext>
             </a:extLst>
           </p:cNvPr>
@@ -306,7 +306,7 @@
           <a:bodyPr/>
           <a:lstStyle/>
           <a:p>
-            <a:fld id="{FD55776F-772A-40DB-A885-F279D3F18416}" type="slidenum">
+            <a:fld id="{51C5BE3C-F771-4F92-938F-E86CD875C043}" type="slidenum">
               <a:rPr lang="zh-CN" altLang="en-US" smtClean="0"/>
               <a:t>‹#›</a:t>
             </a:fld>
@@ -317,7 +317,7 @@
     </p:spTree>
     <p:extLst>
       <p:ext uri="{BB962C8B-B14F-4D97-AF65-F5344CB8AC3E}">
-        <p14:creationId xmlns:p14="http://schemas.microsoft.com/office/powerpoint/2010/main" val="546614781"/>
+        <p14:creationId xmlns:p14="http://schemas.microsoft.com/office/powerpoint/2010/main" val="2778466917"/>
       </p:ext>
     </p:extLst>
   </p:cSld>
@@ -349,7 +349,7 @@
           <p:cNvPr id="2" name="标题 1">
             <a:extLst>
               <a:ext uri="{FF2B5EF4-FFF2-40B4-BE49-F238E27FC236}">
-                <a16:creationId xmlns:a16="http://schemas.microsoft.com/office/drawing/2014/main" id="{029772FD-B097-254E-3B50-57E4A28ED81E}"/>
+                <a16:creationId xmlns:a16="http://schemas.microsoft.com/office/drawing/2014/main" id="{77DFF05F-FF02-E8F7-1314-980FB106B3C6}"/>
               </a:ext>
             </a:extLst>
           </p:cNvPr>
@@ -377,7 +377,7 @@
           <p:cNvPr id="3" name="竖排文字占位符 2">
             <a:extLst>
               <a:ext uri="{FF2B5EF4-FFF2-40B4-BE49-F238E27FC236}">
-                <a16:creationId xmlns:a16="http://schemas.microsoft.com/office/drawing/2014/main" id="{46D2CCB6-09B0-EE9A-4E97-0532158576AB}"/>
+                <a16:creationId xmlns:a16="http://schemas.microsoft.com/office/drawing/2014/main" id="{E072670E-6ADA-9F26-E5D4-64CDC531E6F1}"/>
               </a:ext>
             </a:extLst>
           </p:cNvPr>
@@ -434,7 +434,7 @@
           <p:cNvPr id="4" name="日期占位符 3">
             <a:extLst>
               <a:ext uri="{FF2B5EF4-FFF2-40B4-BE49-F238E27FC236}">
-                <a16:creationId xmlns:a16="http://schemas.microsoft.com/office/drawing/2014/main" id="{77567BA4-A620-80C2-86A3-9175FF8B38A1}"/>
+                <a16:creationId xmlns:a16="http://schemas.microsoft.com/office/drawing/2014/main" id="{720C9A03-6B05-86F9-3538-E2E98837D7A6}"/>
               </a:ext>
             </a:extLst>
           </p:cNvPr>
@@ -450,7 +450,7 @@
           <a:bodyPr/>
           <a:lstStyle/>
           <a:p>
-            <a:fld id="{EF2532CF-D80D-49C6-A922-22AC6E0D8933}" type="datetimeFigureOut">
+            <a:fld id="{8EBCC96F-16D5-4467-8B27-804E849946FB}" type="datetimeFigureOut">
               <a:rPr lang="zh-CN" altLang="en-US" smtClean="0"/>
               <a:t>2024/3/10</a:t>
             </a:fld>
@@ -463,7 +463,7 @@
           <p:cNvPr id="5" name="页脚占位符 4">
             <a:extLst>
               <a:ext uri="{FF2B5EF4-FFF2-40B4-BE49-F238E27FC236}">
-                <a16:creationId xmlns:a16="http://schemas.microsoft.com/office/drawing/2014/main" id="{C01FF614-7559-F4A8-D72E-0622CAA71EF4}"/>
+                <a16:creationId xmlns:a16="http://schemas.microsoft.com/office/drawing/2014/main" id="{C5E2EB0F-920D-C9AB-492F-4E2EAE828F99}"/>
               </a:ext>
             </a:extLst>
           </p:cNvPr>
@@ -488,7 +488,7 @@
           <p:cNvPr id="6" name="灯片编号占位符 5">
             <a:extLst>
               <a:ext uri="{FF2B5EF4-FFF2-40B4-BE49-F238E27FC236}">
-                <a16:creationId xmlns:a16="http://schemas.microsoft.com/office/drawing/2014/main" id="{09AA054D-BD22-816D-446B-7B568AF16D56}"/>
+                <a16:creationId xmlns:a16="http://schemas.microsoft.com/office/drawing/2014/main" id="{8DC27846-93ED-5DA2-A9BA-2EF73289BDB0}"/>
               </a:ext>
             </a:extLst>
           </p:cNvPr>
@@ -504,7 +504,7 @@
           <a:bodyPr/>
           <a:lstStyle/>
           <a:p>
-            <a:fld id="{FD55776F-772A-40DB-A885-F279D3F18416}" type="slidenum">
+            <a:fld id="{51C5BE3C-F771-4F92-938F-E86CD875C043}" type="slidenum">
               <a:rPr lang="zh-CN" altLang="en-US" smtClean="0"/>
               <a:t>‹#›</a:t>
             </a:fld>
@@ -515,7 +515,7 @@
     </p:spTree>
     <p:extLst>
       <p:ext uri="{BB962C8B-B14F-4D97-AF65-F5344CB8AC3E}">
-        <p14:creationId xmlns:p14="http://schemas.microsoft.com/office/powerpoint/2010/main" val="1700135792"/>
+        <p14:creationId xmlns:p14="http://schemas.microsoft.com/office/powerpoint/2010/main" val="833797212"/>
       </p:ext>
     </p:extLst>
   </p:cSld>
@@ -547,7 +547,7 @@
           <p:cNvPr id="2" name="竖排标题 1">
             <a:extLst>
               <a:ext uri="{FF2B5EF4-FFF2-40B4-BE49-F238E27FC236}">
-                <a16:creationId xmlns:a16="http://schemas.microsoft.com/office/drawing/2014/main" id="{57E41AA1-38BF-FAB7-8C14-29D987A21296}"/>
+                <a16:creationId xmlns:a16="http://schemas.microsoft.com/office/drawing/2014/main" id="{66D86C6D-D834-4586-CB7C-A6F8561429AF}"/>
               </a:ext>
             </a:extLst>
           </p:cNvPr>
@@ -580,7 +580,7 @@
           <p:cNvPr id="3" name="竖排文字占位符 2">
             <a:extLst>
               <a:ext uri="{FF2B5EF4-FFF2-40B4-BE49-F238E27FC236}">
-                <a16:creationId xmlns:a16="http://schemas.microsoft.com/office/drawing/2014/main" id="{8A28B328-D7DA-FB7D-4F7C-317D481B631B}"/>
+                <a16:creationId xmlns:a16="http://schemas.microsoft.com/office/drawing/2014/main" id="{8ABDE7E5-07D8-6FD8-D22B-179656800CFB}"/>
               </a:ext>
             </a:extLst>
           </p:cNvPr>
@@ -642,7 +642,7 @@
           <p:cNvPr id="4" name="日期占位符 3">
             <a:extLst>
               <a:ext uri="{FF2B5EF4-FFF2-40B4-BE49-F238E27FC236}">
-                <a16:creationId xmlns:a16="http://schemas.microsoft.com/office/drawing/2014/main" id="{8595D051-D1FC-8A23-D906-D0F58B0141FC}"/>
+                <a16:creationId xmlns:a16="http://schemas.microsoft.com/office/drawing/2014/main" id="{6DDEBBBD-A623-946F-0A16-A1C943AC616B}"/>
               </a:ext>
             </a:extLst>
           </p:cNvPr>
@@ -658,7 +658,7 @@
           <a:bodyPr/>
           <a:lstStyle/>
           <a:p>
-            <a:fld id="{EF2532CF-D80D-49C6-A922-22AC6E0D8933}" type="datetimeFigureOut">
+            <a:fld id="{8EBCC96F-16D5-4467-8B27-804E849946FB}" type="datetimeFigureOut">
               <a:rPr lang="zh-CN" altLang="en-US" smtClean="0"/>
               <a:t>2024/3/10</a:t>
             </a:fld>
@@ -671,7 +671,7 @@
           <p:cNvPr id="5" name="页脚占位符 4">
             <a:extLst>
               <a:ext uri="{FF2B5EF4-FFF2-40B4-BE49-F238E27FC236}">
-                <a16:creationId xmlns:a16="http://schemas.microsoft.com/office/drawing/2014/main" id="{5C332EA8-D4E7-8D16-6F0C-E39490F559CA}"/>
+                <a16:creationId xmlns:a16="http://schemas.microsoft.com/office/drawing/2014/main" id="{2E1ACE41-0206-2B53-6A30-77F819377C6E}"/>
               </a:ext>
             </a:extLst>
           </p:cNvPr>
@@ -696,7 +696,7 @@
           <p:cNvPr id="6" name="灯片编号占位符 5">
             <a:extLst>
               <a:ext uri="{FF2B5EF4-FFF2-40B4-BE49-F238E27FC236}">
-                <a16:creationId xmlns:a16="http://schemas.microsoft.com/office/drawing/2014/main" id="{594CD9AB-EB4C-06FA-8BC5-19F9C0C65996}"/>
+                <a16:creationId xmlns:a16="http://schemas.microsoft.com/office/drawing/2014/main" id="{FF7D8C4B-2FB2-A0A7-7649-15BAF7636016}"/>
               </a:ext>
             </a:extLst>
           </p:cNvPr>
@@ -712,7 +712,7 @@
           <a:bodyPr/>
           <a:lstStyle/>
           <a:p>
-            <a:fld id="{FD55776F-772A-40DB-A885-F279D3F18416}" type="slidenum">
+            <a:fld id="{51C5BE3C-F771-4F92-938F-E86CD875C043}" type="slidenum">
               <a:rPr lang="zh-CN" altLang="en-US" smtClean="0"/>
               <a:t>‹#›</a:t>
             </a:fld>
@@ -723,7 +723,7 @@
     </p:spTree>
     <p:extLst>
       <p:ext uri="{BB962C8B-B14F-4D97-AF65-F5344CB8AC3E}">
-        <p14:creationId xmlns:p14="http://schemas.microsoft.com/office/powerpoint/2010/main" val="3176640463"/>
+        <p14:creationId xmlns:p14="http://schemas.microsoft.com/office/powerpoint/2010/main" val="2419161208"/>
       </p:ext>
     </p:extLst>
   </p:cSld>
@@ -755,7 +755,7 @@
           <p:cNvPr id="2" name="标题 1">
             <a:extLst>
               <a:ext uri="{FF2B5EF4-FFF2-40B4-BE49-F238E27FC236}">
-                <a16:creationId xmlns:a16="http://schemas.microsoft.com/office/drawing/2014/main" id="{EFF761AE-6F0C-0BA5-4284-565E45782DF9}"/>
+                <a16:creationId xmlns:a16="http://schemas.microsoft.com/office/drawing/2014/main" id="{0E86FCBF-21D3-DC55-FEAD-1211E5C5C2EA}"/>
               </a:ext>
             </a:extLst>
           </p:cNvPr>
@@ -783,7 +783,7 @@
           <p:cNvPr id="3" name="内容占位符 2">
             <a:extLst>
               <a:ext uri="{FF2B5EF4-FFF2-40B4-BE49-F238E27FC236}">
-                <a16:creationId xmlns:a16="http://schemas.microsoft.com/office/drawing/2014/main" id="{09777D2C-C7D8-0B6D-BA68-643348F25311}"/>
+                <a16:creationId xmlns:a16="http://schemas.microsoft.com/office/drawing/2014/main" id="{949938FE-7DA9-DE2B-EBF3-739665C74D5E}"/>
               </a:ext>
             </a:extLst>
           </p:cNvPr>
@@ -840,7 +840,7 @@
           <p:cNvPr id="4" name="日期占位符 3">
             <a:extLst>
               <a:ext uri="{FF2B5EF4-FFF2-40B4-BE49-F238E27FC236}">
-                <a16:creationId xmlns:a16="http://schemas.microsoft.com/office/drawing/2014/main" id="{5C9C4A3C-2D9B-0EB3-6E4B-E8F207B26D95}"/>
+                <a16:creationId xmlns:a16="http://schemas.microsoft.com/office/drawing/2014/main" id="{E84FFEAA-FE45-E721-FA25-FC9398AEBBEC}"/>
               </a:ext>
             </a:extLst>
           </p:cNvPr>
@@ -856,7 +856,7 @@
           <a:bodyPr/>
           <a:lstStyle/>
           <a:p>
-            <a:fld id="{EF2532CF-D80D-49C6-A922-22AC6E0D8933}" type="datetimeFigureOut">
+            <a:fld id="{8EBCC96F-16D5-4467-8B27-804E849946FB}" type="datetimeFigureOut">
               <a:rPr lang="zh-CN" altLang="en-US" smtClean="0"/>
               <a:t>2024/3/10</a:t>
             </a:fld>
@@ -869,7 +869,7 @@
           <p:cNvPr id="5" name="页脚占位符 4">
             <a:extLst>
               <a:ext uri="{FF2B5EF4-FFF2-40B4-BE49-F238E27FC236}">
-                <a16:creationId xmlns:a16="http://schemas.microsoft.com/office/drawing/2014/main" id="{50DB1536-D5B8-0BCF-F056-6FE1D3181CB2}"/>
+                <a16:creationId xmlns:a16="http://schemas.microsoft.com/office/drawing/2014/main" id="{B722BD95-23D3-8B78-AB5B-FD176273B6CA}"/>
               </a:ext>
             </a:extLst>
           </p:cNvPr>
@@ -894,7 +894,7 @@
           <p:cNvPr id="6" name="灯片编号占位符 5">
             <a:extLst>
               <a:ext uri="{FF2B5EF4-FFF2-40B4-BE49-F238E27FC236}">
-                <a16:creationId xmlns:a16="http://schemas.microsoft.com/office/drawing/2014/main" id="{66DF1D6E-576F-AF61-1946-E334B0E6B1B2}"/>
+                <a16:creationId xmlns:a16="http://schemas.microsoft.com/office/drawing/2014/main" id="{8C8C0A0D-C41F-7D93-47E9-05F5E8C2630F}"/>
               </a:ext>
             </a:extLst>
           </p:cNvPr>
@@ -910,7 +910,7 @@
           <a:bodyPr/>
           <a:lstStyle/>
           <a:p>
-            <a:fld id="{FD55776F-772A-40DB-A885-F279D3F18416}" type="slidenum">
+            <a:fld id="{51C5BE3C-F771-4F92-938F-E86CD875C043}" type="slidenum">
               <a:rPr lang="zh-CN" altLang="en-US" smtClean="0"/>
               <a:t>‹#›</a:t>
             </a:fld>
@@ -921,7 +921,7 @@
     </p:spTree>
     <p:extLst>
       <p:ext uri="{BB962C8B-B14F-4D97-AF65-F5344CB8AC3E}">
-        <p14:creationId xmlns:p14="http://schemas.microsoft.com/office/powerpoint/2010/main" val="1696769851"/>
+        <p14:creationId xmlns:p14="http://schemas.microsoft.com/office/powerpoint/2010/main" val="1181426022"/>
       </p:ext>
     </p:extLst>
   </p:cSld>
@@ -953,7 +953,7 @@
           <p:cNvPr id="2" name="标题 1">
             <a:extLst>
               <a:ext uri="{FF2B5EF4-FFF2-40B4-BE49-F238E27FC236}">
-                <a16:creationId xmlns:a16="http://schemas.microsoft.com/office/drawing/2014/main" id="{E7A8CEAD-03A6-1792-6653-E1D6ABC076F3}"/>
+                <a16:creationId xmlns:a16="http://schemas.microsoft.com/office/drawing/2014/main" id="{466755A2-4373-10D2-296E-368982B9F3C7}"/>
               </a:ext>
             </a:extLst>
           </p:cNvPr>
@@ -990,7 +990,7 @@
           <p:cNvPr id="3" name="文本占位符 2">
             <a:extLst>
               <a:ext uri="{FF2B5EF4-FFF2-40B4-BE49-F238E27FC236}">
-                <a16:creationId xmlns:a16="http://schemas.microsoft.com/office/drawing/2014/main" id="{EF7AD403-A3B9-5107-3940-909FF86D9FEB}"/>
+                <a16:creationId xmlns:a16="http://schemas.microsoft.com/office/drawing/2014/main" id="{A792EAC3-6E20-4DD3-2CB4-611FCF9CB0F3}"/>
               </a:ext>
             </a:extLst>
           </p:cNvPr>
@@ -1115,7 +1115,7 @@
           <p:cNvPr id="4" name="日期占位符 3">
             <a:extLst>
               <a:ext uri="{FF2B5EF4-FFF2-40B4-BE49-F238E27FC236}">
-                <a16:creationId xmlns:a16="http://schemas.microsoft.com/office/drawing/2014/main" id="{321131B8-917D-9381-1277-31FB587CE3A8}"/>
+                <a16:creationId xmlns:a16="http://schemas.microsoft.com/office/drawing/2014/main" id="{7217F0B1-C312-642D-B392-2E5AA7DD208B}"/>
               </a:ext>
             </a:extLst>
           </p:cNvPr>
@@ -1131,7 +1131,7 @@
           <a:bodyPr/>
           <a:lstStyle/>
           <a:p>
-            <a:fld id="{EF2532CF-D80D-49C6-A922-22AC6E0D8933}" type="datetimeFigureOut">
+            <a:fld id="{8EBCC96F-16D5-4467-8B27-804E849946FB}" type="datetimeFigureOut">
               <a:rPr lang="zh-CN" altLang="en-US" smtClean="0"/>
               <a:t>2024/3/10</a:t>
             </a:fld>
@@ -1144,7 +1144,7 @@
           <p:cNvPr id="5" name="页脚占位符 4">
             <a:extLst>
               <a:ext uri="{FF2B5EF4-FFF2-40B4-BE49-F238E27FC236}">
-                <a16:creationId xmlns:a16="http://schemas.microsoft.com/office/drawing/2014/main" id="{D2490C96-B5B1-583C-60DA-6A68218223C7}"/>
+                <a16:creationId xmlns:a16="http://schemas.microsoft.com/office/drawing/2014/main" id="{D60C9EB5-DE87-4D2C-8DF5-5EDEC8C180A4}"/>
               </a:ext>
             </a:extLst>
           </p:cNvPr>
@@ -1169,7 +1169,7 @@
           <p:cNvPr id="6" name="灯片编号占位符 5">
             <a:extLst>
               <a:ext uri="{FF2B5EF4-FFF2-40B4-BE49-F238E27FC236}">
-                <a16:creationId xmlns:a16="http://schemas.microsoft.com/office/drawing/2014/main" id="{E2AC671C-6070-D203-D444-CAF873A00438}"/>
+                <a16:creationId xmlns:a16="http://schemas.microsoft.com/office/drawing/2014/main" id="{10056385-4E7B-68F0-DCD8-C0A6E68FA5F4}"/>
               </a:ext>
             </a:extLst>
           </p:cNvPr>
@@ -1185,7 +1185,7 @@
           <a:bodyPr/>
           <a:lstStyle/>
           <a:p>
-            <a:fld id="{FD55776F-772A-40DB-A885-F279D3F18416}" type="slidenum">
+            <a:fld id="{51C5BE3C-F771-4F92-938F-E86CD875C043}" type="slidenum">
               <a:rPr lang="zh-CN" altLang="en-US" smtClean="0"/>
               <a:t>‹#›</a:t>
             </a:fld>
@@ -1196,7 +1196,7 @@
     </p:spTree>
     <p:extLst>
       <p:ext uri="{BB962C8B-B14F-4D97-AF65-F5344CB8AC3E}">
-        <p14:creationId xmlns:p14="http://schemas.microsoft.com/office/powerpoint/2010/main" val="3601256465"/>
+        <p14:creationId xmlns:p14="http://schemas.microsoft.com/office/powerpoint/2010/main" val="2236665657"/>
       </p:ext>
     </p:extLst>
   </p:cSld>
@@ -1228,7 +1228,7 @@
           <p:cNvPr id="2" name="标题 1">
             <a:extLst>
               <a:ext uri="{FF2B5EF4-FFF2-40B4-BE49-F238E27FC236}">
-                <a16:creationId xmlns:a16="http://schemas.microsoft.com/office/drawing/2014/main" id="{C315DDE5-757C-9C73-62EB-528B488B52F0}"/>
+                <a16:creationId xmlns:a16="http://schemas.microsoft.com/office/drawing/2014/main" id="{313B43D1-E907-5B0A-0F41-D2CAA6060F18}"/>
               </a:ext>
             </a:extLst>
           </p:cNvPr>
@@ -1256,7 +1256,7 @@
           <p:cNvPr id="3" name="内容占位符 2">
             <a:extLst>
               <a:ext uri="{FF2B5EF4-FFF2-40B4-BE49-F238E27FC236}">
-                <a16:creationId xmlns:a16="http://schemas.microsoft.com/office/drawing/2014/main" id="{9BC18FB4-3A63-8EC8-55AE-173A6E680A8F}"/>
+                <a16:creationId xmlns:a16="http://schemas.microsoft.com/office/drawing/2014/main" id="{04F28CD1-6A53-115B-4BDA-05A015B12BCA}"/>
               </a:ext>
             </a:extLst>
           </p:cNvPr>
@@ -1318,7 +1318,7 @@
           <p:cNvPr id="4" name="内容占位符 3">
             <a:extLst>
               <a:ext uri="{FF2B5EF4-FFF2-40B4-BE49-F238E27FC236}">
-                <a16:creationId xmlns:a16="http://schemas.microsoft.com/office/drawing/2014/main" id="{F2069BC8-00DD-87D1-B049-D4F57B5A5FFD}"/>
+                <a16:creationId xmlns:a16="http://schemas.microsoft.com/office/drawing/2014/main" id="{F74B51C6-166C-AB97-5871-C9257AEE52B1}"/>
               </a:ext>
             </a:extLst>
           </p:cNvPr>
@@ -1380,7 +1380,7 @@
           <p:cNvPr id="5" name="日期占位符 4">
             <a:extLst>
               <a:ext uri="{FF2B5EF4-FFF2-40B4-BE49-F238E27FC236}">
-                <a16:creationId xmlns:a16="http://schemas.microsoft.com/office/drawing/2014/main" id="{C7393043-81E3-5F3B-4D96-D48E1FA1B65F}"/>
+                <a16:creationId xmlns:a16="http://schemas.microsoft.com/office/drawing/2014/main" id="{97AB7F8F-A1AC-57BE-09D4-F508C212DB16}"/>
               </a:ext>
             </a:extLst>
           </p:cNvPr>
@@ -1396,7 +1396,7 @@
           <a:bodyPr/>
           <a:lstStyle/>
           <a:p>
-            <a:fld id="{EF2532CF-D80D-49C6-A922-22AC6E0D8933}" type="datetimeFigureOut">
+            <a:fld id="{8EBCC96F-16D5-4467-8B27-804E849946FB}" type="datetimeFigureOut">
               <a:rPr lang="zh-CN" altLang="en-US" smtClean="0"/>
               <a:t>2024/3/10</a:t>
             </a:fld>
@@ -1409,7 +1409,7 @@
           <p:cNvPr id="6" name="页脚占位符 5">
             <a:extLst>
               <a:ext uri="{FF2B5EF4-FFF2-40B4-BE49-F238E27FC236}">
-                <a16:creationId xmlns:a16="http://schemas.microsoft.com/office/drawing/2014/main" id="{662683CC-F1BD-47A8-1945-1990CB64FB6A}"/>
+                <a16:creationId xmlns:a16="http://schemas.microsoft.com/office/drawing/2014/main" id="{E79940E9-E9BC-4FC4-34D2-94E099D2F1B1}"/>
               </a:ext>
             </a:extLst>
           </p:cNvPr>
@@ -1434,7 +1434,7 @@
           <p:cNvPr id="7" name="灯片编号占位符 6">
             <a:extLst>
               <a:ext uri="{FF2B5EF4-FFF2-40B4-BE49-F238E27FC236}">
-                <a16:creationId xmlns:a16="http://schemas.microsoft.com/office/drawing/2014/main" id="{CE85D504-32A3-2224-F5B0-56E82010F836}"/>
+                <a16:creationId xmlns:a16="http://schemas.microsoft.com/office/drawing/2014/main" id="{080B5A53-2861-4478-022B-36B00B4EEE56}"/>
               </a:ext>
             </a:extLst>
           </p:cNvPr>
@@ -1450,7 +1450,7 @@
           <a:bodyPr/>
           <a:lstStyle/>
           <a:p>
-            <a:fld id="{FD55776F-772A-40DB-A885-F279D3F18416}" type="slidenum">
+            <a:fld id="{51C5BE3C-F771-4F92-938F-E86CD875C043}" type="slidenum">
               <a:rPr lang="zh-CN" altLang="en-US" smtClean="0"/>
               <a:t>‹#›</a:t>
             </a:fld>
@@ -1461,7 +1461,7 @@
     </p:spTree>
     <p:extLst>
       <p:ext uri="{BB962C8B-B14F-4D97-AF65-F5344CB8AC3E}">
-        <p14:creationId xmlns:p14="http://schemas.microsoft.com/office/powerpoint/2010/main" val="2585540424"/>
+        <p14:creationId xmlns:p14="http://schemas.microsoft.com/office/powerpoint/2010/main" val="3572114420"/>
       </p:ext>
     </p:extLst>
   </p:cSld>
@@ -1493,7 +1493,7 @@
           <p:cNvPr id="2" name="标题 1">
             <a:extLst>
               <a:ext uri="{FF2B5EF4-FFF2-40B4-BE49-F238E27FC236}">
-                <a16:creationId xmlns:a16="http://schemas.microsoft.com/office/drawing/2014/main" id="{58A082E6-087B-34A8-3688-02C4B4C50E74}"/>
+                <a16:creationId xmlns:a16="http://schemas.microsoft.com/office/drawing/2014/main" id="{F454338F-6FA9-D93A-B586-0820514D8D79}"/>
               </a:ext>
             </a:extLst>
           </p:cNvPr>
@@ -1526,7 +1526,7 @@
           <p:cNvPr id="3" name="文本占位符 2">
             <a:extLst>
               <a:ext uri="{FF2B5EF4-FFF2-40B4-BE49-F238E27FC236}">
-                <a16:creationId xmlns:a16="http://schemas.microsoft.com/office/drawing/2014/main" id="{740A910D-A183-90A4-E1BF-5325E967C146}"/>
+                <a16:creationId xmlns:a16="http://schemas.microsoft.com/office/drawing/2014/main" id="{F95C639B-9825-7120-F23A-CAC203CB9EBD}"/>
               </a:ext>
             </a:extLst>
           </p:cNvPr>
@@ -1597,7 +1597,7 @@
           <p:cNvPr id="4" name="内容占位符 3">
             <a:extLst>
               <a:ext uri="{FF2B5EF4-FFF2-40B4-BE49-F238E27FC236}">
-                <a16:creationId xmlns:a16="http://schemas.microsoft.com/office/drawing/2014/main" id="{C400D755-D75F-E69A-3619-31501293A440}"/>
+                <a16:creationId xmlns:a16="http://schemas.microsoft.com/office/drawing/2014/main" id="{B772C3F3-B0D1-E211-B3B3-C107A29371F5}"/>
               </a:ext>
             </a:extLst>
           </p:cNvPr>
@@ -1659,7 +1659,7 @@
           <p:cNvPr id="5" name="文本占位符 4">
             <a:extLst>
               <a:ext uri="{FF2B5EF4-FFF2-40B4-BE49-F238E27FC236}">
-                <a16:creationId xmlns:a16="http://schemas.microsoft.com/office/drawing/2014/main" id="{E4698A04-2A30-9016-D3F0-51C0344B28A7}"/>
+                <a16:creationId xmlns:a16="http://schemas.microsoft.com/office/drawing/2014/main" id="{F07A6049-8E2C-B289-57EA-5BBEBAE318E0}"/>
               </a:ext>
             </a:extLst>
           </p:cNvPr>
@@ -1730,7 +1730,7 @@
           <p:cNvPr id="6" name="内容占位符 5">
             <a:extLst>
               <a:ext uri="{FF2B5EF4-FFF2-40B4-BE49-F238E27FC236}">
-                <a16:creationId xmlns:a16="http://schemas.microsoft.com/office/drawing/2014/main" id="{12A9C398-31A0-BE03-FB23-36C0A0AE74FD}"/>
+                <a16:creationId xmlns:a16="http://schemas.microsoft.com/office/drawing/2014/main" id="{11DA2037-1B6A-38D4-1DB7-1CABD543C36D}"/>
               </a:ext>
             </a:extLst>
           </p:cNvPr>
@@ -1792,7 +1792,7 @@
           <p:cNvPr id="7" name="日期占位符 6">
             <a:extLst>
               <a:ext uri="{FF2B5EF4-FFF2-40B4-BE49-F238E27FC236}">
-                <a16:creationId xmlns:a16="http://schemas.microsoft.com/office/drawing/2014/main" id="{277F37EC-EC47-97EB-345B-C9FDC8D6FE48}"/>
+                <a16:creationId xmlns:a16="http://schemas.microsoft.com/office/drawing/2014/main" id="{77636EA0-A323-97A1-F4CA-D28E8B80263C}"/>
               </a:ext>
             </a:extLst>
           </p:cNvPr>
@@ -1808,7 +1808,7 @@
           <a:bodyPr/>
           <a:lstStyle/>
           <a:p>
-            <a:fld id="{EF2532CF-D80D-49C6-A922-22AC6E0D8933}" type="datetimeFigureOut">
+            <a:fld id="{8EBCC96F-16D5-4467-8B27-804E849946FB}" type="datetimeFigureOut">
               <a:rPr lang="zh-CN" altLang="en-US" smtClean="0"/>
               <a:t>2024/3/10</a:t>
             </a:fld>
@@ -1821,7 +1821,7 @@
           <p:cNvPr id="8" name="页脚占位符 7">
             <a:extLst>
               <a:ext uri="{FF2B5EF4-FFF2-40B4-BE49-F238E27FC236}">
-                <a16:creationId xmlns:a16="http://schemas.microsoft.com/office/drawing/2014/main" id="{2F238A2B-CD96-6856-2331-8D2202996660}"/>
+                <a16:creationId xmlns:a16="http://schemas.microsoft.com/office/drawing/2014/main" id="{AABF6F6B-3865-D996-7AEE-60A6B67CA1BB}"/>
               </a:ext>
             </a:extLst>
           </p:cNvPr>
@@ -1846,7 +1846,7 @@
           <p:cNvPr id="9" name="灯片编号占位符 8">
             <a:extLst>
               <a:ext uri="{FF2B5EF4-FFF2-40B4-BE49-F238E27FC236}">
-                <a16:creationId xmlns:a16="http://schemas.microsoft.com/office/drawing/2014/main" id="{47958814-5A7F-FF50-E192-3BF1C94BF465}"/>
+                <a16:creationId xmlns:a16="http://schemas.microsoft.com/office/drawing/2014/main" id="{A0E38D7D-F4DE-AD91-8DBD-8238040E75BD}"/>
               </a:ext>
             </a:extLst>
           </p:cNvPr>
@@ -1862,7 +1862,7 @@
           <a:bodyPr/>
           <a:lstStyle/>
           <a:p>
-            <a:fld id="{FD55776F-772A-40DB-A885-F279D3F18416}" type="slidenum">
+            <a:fld id="{51C5BE3C-F771-4F92-938F-E86CD875C043}" type="slidenum">
               <a:rPr lang="zh-CN" altLang="en-US" smtClean="0"/>
               <a:t>‹#›</a:t>
             </a:fld>
@@ -1873,7 +1873,7 @@
     </p:spTree>
     <p:extLst>
       <p:ext uri="{BB962C8B-B14F-4D97-AF65-F5344CB8AC3E}">
-        <p14:creationId xmlns:p14="http://schemas.microsoft.com/office/powerpoint/2010/main" val="3106134614"/>
+        <p14:creationId xmlns:p14="http://schemas.microsoft.com/office/powerpoint/2010/main" val="1139134069"/>
       </p:ext>
     </p:extLst>
   </p:cSld>
@@ -1905,7 +1905,7 @@
           <p:cNvPr id="2" name="标题 1">
             <a:extLst>
               <a:ext uri="{FF2B5EF4-FFF2-40B4-BE49-F238E27FC236}">
-                <a16:creationId xmlns:a16="http://schemas.microsoft.com/office/drawing/2014/main" id="{F8BE7872-88C6-DA55-AF74-9FE4A1258AAD}"/>
+                <a16:creationId xmlns:a16="http://schemas.microsoft.com/office/drawing/2014/main" id="{AC441447-B333-1B32-7A18-BF438B579C6B}"/>
               </a:ext>
             </a:extLst>
           </p:cNvPr>
@@ -1933,7 +1933,7 @@
           <p:cNvPr id="3" name="日期占位符 2">
             <a:extLst>
               <a:ext uri="{FF2B5EF4-FFF2-40B4-BE49-F238E27FC236}">
-                <a16:creationId xmlns:a16="http://schemas.microsoft.com/office/drawing/2014/main" id="{0709BF68-429D-9398-5462-9362E73EEBD6}"/>
+                <a16:creationId xmlns:a16="http://schemas.microsoft.com/office/drawing/2014/main" id="{300D5143-84F0-13B5-EC3B-4E0B27E24682}"/>
               </a:ext>
             </a:extLst>
           </p:cNvPr>
@@ -1949,7 +1949,7 @@
           <a:bodyPr/>
           <a:lstStyle/>
           <a:p>
-            <a:fld id="{EF2532CF-D80D-49C6-A922-22AC6E0D8933}" type="datetimeFigureOut">
+            <a:fld id="{8EBCC96F-16D5-4467-8B27-804E849946FB}" type="datetimeFigureOut">
               <a:rPr lang="zh-CN" altLang="en-US" smtClean="0"/>
               <a:t>2024/3/10</a:t>
             </a:fld>
@@ -1962,7 +1962,7 @@
           <p:cNvPr id="4" name="页脚占位符 3">
             <a:extLst>
               <a:ext uri="{FF2B5EF4-FFF2-40B4-BE49-F238E27FC236}">
-                <a16:creationId xmlns:a16="http://schemas.microsoft.com/office/drawing/2014/main" id="{9B769153-B98D-DEBF-0087-1DD94023E959}"/>
+                <a16:creationId xmlns:a16="http://schemas.microsoft.com/office/drawing/2014/main" id="{10D9BD48-8879-5370-2A8A-C4B968FEA17B}"/>
               </a:ext>
             </a:extLst>
           </p:cNvPr>
@@ -1987,7 +1987,7 @@
           <p:cNvPr id="5" name="灯片编号占位符 4">
             <a:extLst>
               <a:ext uri="{FF2B5EF4-FFF2-40B4-BE49-F238E27FC236}">
-                <a16:creationId xmlns:a16="http://schemas.microsoft.com/office/drawing/2014/main" id="{2299DD31-574F-8B37-20D5-FFB5FA90C92A}"/>
+                <a16:creationId xmlns:a16="http://schemas.microsoft.com/office/drawing/2014/main" id="{BC3A5A71-EA1E-8E61-F17E-3A47C63B10D6}"/>
               </a:ext>
             </a:extLst>
           </p:cNvPr>
@@ -2003,7 +2003,7 @@
           <a:bodyPr/>
           <a:lstStyle/>
           <a:p>
-            <a:fld id="{FD55776F-772A-40DB-A885-F279D3F18416}" type="slidenum">
+            <a:fld id="{51C5BE3C-F771-4F92-938F-E86CD875C043}" type="slidenum">
               <a:rPr lang="zh-CN" altLang="en-US" smtClean="0"/>
               <a:t>‹#›</a:t>
             </a:fld>
@@ -2014,7 +2014,7 @@
     </p:spTree>
     <p:extLst>
       <p:ext uri="{BB962C8B-B14F-4D97-AF65-F5344CB8AC3E}">
-        <p14:creationId xmlns:p14="http://schemas.microsoft.com/office/powerpoint/2010/main" val="186367942"/>
+        <p14:creationId xmlns:p14="http://schemas.microsoft.com/office/powerpoint/2010/main" val="415888111"/>
       </p:ext>
     </p:extLst>
   </p:cSld>
@@ -2046,7 +2046,7 @@
           <p:cNvPr id="2" name="日期占位符 1">
             <a:extLst>
               <a:ext uri="{FF2B5EF4-FFF2-40B4-BE49-F238E27FC236}">
-                <a16:creationId xmlns:a16="http://schemas.microsoft.com/office/drawing/2014/main" id="{56368840-5E7B-4464-0C68-D235FE960979}"/>
+                <a16:creationId xmlns:a16="http://schemas.microsoft.com/office/drawing/2014/main" id="{DC321588-FBF0-429A-8541-6488C876856F}"/>
               </a:ext>
             </a:extLst>
           </p:cNvPr>
@@ -2062,7 +2062,7 @@
           <a:bodyPr/>
           <a:lstStyle/>
           <a:p>
-            <a:fld id="{EF2532CF-D80D-49C6-A922-22AC6E0D8933}" type="datetimeFigureOut">
+            <a:fld id="{8EBCC96F-16D5-4467-8B27-804E849946FB}" type="datetimeFigureOut">
               <a:rPr lang="zh-CN" altLang="en-US" smtClean="0"/>
               <a:t>2024/3/10</a:t>
             </a:fld>
@@ -2075,7 +2075,7 @@
           <p:cNvPr id="3" name="页脚占位符 2">
             <a:extLst>
               <a:ext uri="{FF2B5EF4-FFF2-40B4-BE49-F238E27FC236}">
-                <a16:creationId xmlns:a16="http://schemas.microsoft.com/office/drawing/2014/main" id="{8C21EEDB-6D6D-7C5D-6D2F-0F153A30ADC0}"/>
+                <a16:creationId xmlns:a16="http://schemas.microsoft.com/office/drawing/2014/main" id="{223E07F0-7545-18DB-7F49-258BB108BADD}"/>
               </a:ext>
             </a:extLst>
           </p:cNvPr>
@@ -2100,7 +2100,7 @@
           <p:cNvPr id="4" name="灯片编号占位符 3">
             <a:extLst>
               <a:ext uri="{FF2B5EF4-FFF2-40B4-BE49-F238E27FC236}">
-                <a16:creationId xmlns:a16="http://schemas.microsoft.com/office/drawing/2014/main" id="{BF6A516D-13C2-8983-C29F-E30780C873F4}"/>
+                <a16:creationId xmlns:a16="http://schemas.microsoft.com/office/drawing/2014/main" id="{C1C11486-4F43-21C9-AA2B-7C6127AB8BCE}"/>
               </a:ext>
             </a:extLst>
           </p:cNvPr>
@@ -2116,7 +2116,7 @@
           <a:bodyPr/>
           <a:lstStyle/>
           <a:p>
-            <a:fld id="{FD55776F-772A-40DB-A885-F279D3F18416}" type="slidenum">
+            <a:fld id="{51C5BE3C-F771-4F92-938F-E86CD875C043}" type="slidenum">
               <a:rPr lang="zh-CN" altLang="en-US" smtClean="0"/>
               <a:t>‹#›</a:t>
             </a:fld>
@@ -2127,7 +2127,7 @@
     </p:spTree>
     <p:extLst>
       <p:ext uri="{BB962C8B-B14F-4D97-AF65-F5344CB8AC3E}">
-        <p14:creationId xmlns:p14="http://schemas.microsoft.com/office/powerpoint/2010/main" val="2383300349"/>
+        <p14:creationId xmlns:p14="http://schemas.microsoft.com/office/powerpoint/2010/main" val="867487816"/>
       </p:ext>
     </p:extLst>
   </p:cSld>
@@ -2159,7 +2159,7 @@
           <p:cNvPr id="2" name="标题 1">
             <a:extLst>
               <a:ext uri="{FF2B5EF4-FFF2-40B4-BE49-F238E27FC236}">
-                <a16:creationId xmlns:a16="http://schemas.microsoft.com/office/drawing/2014/main" id="{64BAA4EC-1F79-4EFA-9EE8-1E2E1944D93C}"/>
+                <a16:creationId xmlns:a16="http://schemas.microsoft.com/office/drawing/2014/main" id="{B9371555-9C8F-FD18-66F6-BF5F3D19260B}"/>
               </a:ext>
             </a:extLst>
           </p:cNvPr>
@@ -2196,7 +2196,7 @@
           <p:cNvPr id="3" name="内容占位符 2">
             <a:extLst>
               <a:ext uri="{FF2B5EF4-FFF2-40B4-BE49-F238E27FC236}">
-                <a16:creationId xmlns:a16="http://schemas.microsoft.com/office/drawing/2014/main" id="{06D5B240-A69E-183A-18EE-35915D4917A1}"/>
+                <a16:creationId xmlns:a16="http://schemas.microsoft.com/office/drawing/2014/main" id="{4263FB6B-3CEE-4133-3B8F-C12BF79BA24C}"/>
               </a:ext>
             </a:extLst>
           </p:cNvPr>
@@ -2286,7 +2286,7 @@
           <p:cNvPr id="4" name="文本占位符 3">
             <a:extLst>
               <a:ext uri="{FF2B5EF4-FFF2-40B4-BE49-F238E27FC236}">
-                <a16:creationId xmlns:a16="http://schemas.microsoft.com/office/drawing/2014/main" id="{948866B1-20B2-B4CB-6C96-9061962D0D0C}"/>
+                <a16:creationId xmlns:a16="http://schemas.microsoft.com/office/drawing/2014/main" id="{AC91216E-CA4D-1628-E941-5BA9505DD222}"/>
               </a:ext>
             </a:extLst>
           </p:cNvPr>
@@ -2357,7 +2357,7 @@
           <p:cNvPr id="5" name="日期占位符 4">
             <a:extLst>
               <a:ext uri="{FF2B5EF4-FFF2-40B4-BE49-F238E27FC236}">
-                <a16:creationId xmlns:a16="http://schemas.microsoft.com/office/drawing/2014/main" id="{B9A1103D-56DC-2E15-8127-5B72653BFA36}"/>
+                <a16:creationId xmlns:a16="http://schemas.microsoft.com/office/drawing/2014/main" id="{9F78F331-059A-5238-2076-1EAABA3F010A}"/>
               </a:ext>
             </a:extLst>
           </p:cNvPr>
@@ -2373,7 +2373,7 @@
           <a:bodyPr/>
           <a:lstStyle/>
           <a:p>
-            <a:fld id="{EF2532CF-D80D-49C6-A922-22AC6E0D8933}" type="datetimeFigureOut">
+            <a:fld id="{8EBCC96F-16D5-4467-8B27-804E849946FB}" type="datetimeFigureOut">
               <a:rPr lang="zh-CN" altLang="en-US" smtClean="0"/>
               <a:t>2024/3/10</a:t>
             </a:fld>
@@ -2386,7 +2386,7 @@
           <p:cNvPr id="6" name="页脚占位符 5">
             <a:extLst>
               <a:ext uri="{FF2B5EF4-FFF2-40B4-BE49-F238E27FC236}">
-                <a16:creationId xmlns:a16="http://schemas.microsoft.com/office/drawing/2014/main" id="{6FBAF333-0C29-5A26-8D19-F1C7A3ECCF6E}"/>
+                <a16:creationId xmlns:a16="http://schemas.microsoft.com/office/drawing/2014/main" id="{24BFD33E-8C39-9CB3-9AAF-CA940D320551}"/>
               </a:ext>
             </a:extLst>
           </p:cNvPr>
@@ -2411,7 +2411,7 @@
           <p:cNvPr id="7" name="灯片编号占位符 6">
             <a:extLst>
               <a:ext uri="{FF2B5EF4-FFF2-40B4-BE49-F238E27FC236}">
-                <a16:creationId xmlns:a16="http://schemas.microsoft.com/office/drawing/2014/main" id="{B5EA4C94-D108-EEEB-E025-D81132BDA127}"/>
+                <a16:creationId xmlns:a16="http://schemas.microsoft.com/office/drawing/2014/main" id="{427CF24C-50CE-089B-656D-3D0BECE4E508}"/>
               </a:ext>
             </a:extLst>
           </p:cNvPr>
@@ -2427,7 +2427,7 @@
           <a:bodyPr/>
           <a:lstStyle/>
           <a:p>
-            <a:fld id="{FD55776F-772A-40DB-A885-F279D3F18416}" type="slidenum">
+            <a:fld id="{51C5BE3C-F771-4F92-938F-E86CD875C043}" type="slidenum">
               <a:rPr lang="zh-CN" altLang="en-US" smtClean="0"/>
               <a:t>‹#›</a:t>
             </a:fld>
@@ -2438,7 +2438,7 @@
     </p:spTree>
     <p:extLst>
       <p:ext uri="{BB962C8B-B14F-4D97-AF65-F5344CB8AC3E}">
-        <p14:creationId xmlns:p14="http://schemas.microsoft.com/office/powerpoint/2010/main" val="2731466478"/>
+        <p14:creationId xmlns:p14="http://schemas.microsoft.com/office/powerpoint/2010/main" val="4068277320"/>
       </p:ext>
     </p:extLst>
   </p:cSld>
@@ -2470,7 +2470,7 @@
           <p:cNvPr id="2" name="标题 1">
             <a:extLst>
               <a:ext uri="{FF2B5EF4-FFF2-40B4-BE49-F238E27FC236}">
-                <a16:creationId xmlns:a16="http://schemas.microsoft.com/office/drawing/2014/main" id="{49CC9CBD-D256-FEDF-8B98-F487449DABF4}"/>
+                <a16:creationId xmlns:a16="http://schemas.microsoft.com/office/drawing/2014/main" id="{C6E392F5-F2C8-90B6-D1DD-9536356D1A5D}"/>
               </a:ext>
             </a:extLst>
           </p:cNvPr>
@@ -2507,7 +2507,7 @@
           <p:cNvPr id="3" name="图片占位符 2">
             <a:extLst>
               <a:ext uri="{FF2B5EF4-FFF2-40B4-BE49-F238E27FC236}">
-                <a16:creationId xmlns:a16="http://schemas.microsoft.com/office/drawing/2014/main" id="{ACB714BC-883A-91ED-C71C-DB95F406D882}"/>
+                <a16:creationId xmlns:a16="http://schemas.microsoft.com/office/drawing/2014/main" id="{12D68D0D-5482-2CAF-9AD0-CCD3533DAEDB}"/>
               </a:ext>
             </a:extLst>
           </p:cNvPr>
@@ -2574,7 +2574,7 @@
           <p:cNvPr id="4" name="文本占位符 3">
             <a:extLst>
               <a:ext uri="{FF2B5EF4-FFF2-40B4-BE49-F238E27FC236}">
-                <a16:creationId xmlns:a16="http://schemas.microsoft.com/office/drawing/2014/main" id="{255CC106-189E-6036-32F1-D72230354BCD}"/>
+                <a16:creationId xmlns:a16="http://schemas.microsoft.com/office/drawing/2014/main" id="{266309FA-8223-F006-3AD2-E83806C13714}"/>
               </a:ext>
             </a:extLst>
           </p:cNvPr>
@@ -2645,7 +2645,7 @@
           <p:cNvPr id="5" name="日期占位符 4">
             <a:extLst>
               <a:ext uri="{FF2B5EF4-FFF2-40B4-BE49-F238E27FC236}">
-                <a16:creationId xmlns:a16="http://schemas.microsoft.com/office/drawing/2014/main" id="{16509AEC-B4C7-6F4F-989E-46504DEB9130}"/>
+                <a16:creationId xmlns:a16="http://schemas.microsoft.com/office/drawing/2014/main" id="{C39B814A-0A79-6BFA-8E3F-56F71DF3E672}"/>
               </a:ext>
             </a:extLst>
           </p:cNvPr>
@@ -2661,7 +2661,7 @@
           <a:bodyPr/>
           <a:lstStyle/>
           <a:p>
-            <a:fld id="{EF2532CF-D80D-49C6-A922-22AC6E0D8933}" type="datetimeFigureOut">
+            <a:fld id="{8EBCC96F-16D5-4467-8B27-804E849946FB}" type="datetimeFigureOut">
               <a:rPr lang="zh-CN" altLang="en-US" smtClean="0"/>
               <a:t>2024/3/10</a:t>
             </a:fld>
@@ -2674,7 +2674,7 @@
           <p:cNvPr id="6" name="页脚占位符 5">
             <a:extLst>
               <a:ext uri="{FF2B5EF4-FFF2-40B4-BE49-F238E27FC236}">
-                <a16:creationId xmlns:a16="http://schemas.microsoft.com/office/drawing/2014/main" id="{22C29F34-3A6D-F93B-0E55-99BF00161F78}"/>
+                <a16:creationId xmlns:a16="http://schemas.microsoft.com/office/drawing/2014/main" id="{A2C5135A-4702-22D9-C9C8-FF9D4044AAA1}"/>
               </a:ext>
             </a:extLst>
           </p:cNvPr>
@@ -2699,7 +2699,7 @@
           <p:cNvPr id="7" name="灯片编号占位符 6">
             <a:extLst>
               <a:ext uri="{FF2B5EF4-FFF2-40B4-BE49-F238E27FC236}">
-                <a16:creationId xmlns:a16="http://schemas.microsoft.com/office/drawing/2014/main" id="{E16BD242-09DC-4011-49AD-7BF58BB905F1}"/>
+                <a16:creationId xmlns:a16="http://schemas.microsoft.com/office/drawing/2014/main" id="{BD8EF314-48FF-4FEC-971B-5B227009ACE9}"/>
               </a:ext>
             </a:extLst>
           </p:cNvPr>
@@ -2715,7 +2715,7 @@
           <a:bodyPr/>
           <a:lstStyle/>
           <a:p>
-            <a:fld id="{FD55776F-772A-40DB-A885-F279D3F18416}" type="slidenum">
+            <a:fld id="{51C5BE3C-F771-4F92-938F-E86CD875C043}" type="slidenum">
               <a:rPr lang="zh-CN" altLang="en-US" smtClean="0"/>
               <a:t>‹#›</a:t>
             </a:fld>
@@ -2726,7 +2726,7 @@
     </p:spTree>
     <p:extLst>
       <p:ext uri="{BB962C8B-B14F-4D97-AF65-F5344CB8AC3E}">
-        <p14:creationId xmlns:p14="http://schemas.microsoft.com/office/powerpoint/2010/main" val="3118427417"/>
+        <p14:creationId xmlns:p14="http://schemas.microsoft.com/office/powerpoint/2010/main" val="977157013"/>
       </p:ext>
     </p:extLst>
   </p:cSld>
@@ -2763,7 +2763,7 @@
           <p:cNvPr id="2" name="标题占位符 1">
             <a:extLst>
               <a:ext uri="{FF2B5EF4-FFF2-40B4-BE49-F238E27FC236}">
-                <a16:creationId xmlns:a16="http://schemas.microsoft.com/office/drawing/2014/main" id="{D18AA237-8187-84E8-FAB2-EC9E92354172}"/>
+                <a16:creationId xmlns:a16="http://schemas.microsoft.com/office/drawing/2014/main" id="{B8921E70-C6CD-CFF2-75F1-F2D44D18D534}"/>
               </a:ext>
             </a:extLst>
           </p:cNvPr>
@@ -2801,7 +2801,7 @@
           <p:cNvPr id="3" name="文本占位符 2">
             <a:extLst>
               <a:ext uri="{FF2B5EF4-FFF2-40B4-BE49-F238E27FC236}">
-                <a16:creationId xmlns:a16="http://schemas.microsoft.com/office/drawing/2014/main" id="{1310B3B2-BB7F-7588-BF57-B300FB5BB324}"/>
+                <a16:creationId xmlns:a16="http://schemas.microsoft.com/office/drawing/2014/main" id="{BB3EEA72-9560-45C5-1719-7F803B04CEDE}"/>
               </a:ext>
             </a:extLst>
           </p:cNvPr>
@@ -2868,7 +2868,7 @@
           <p:cNvPr id="4" name="日期占位符 3">
             <a:extLst>
               <a:ext uri="{FF2B5EF4-FFF2-40B4-BE49-F238E27FC236}">
-                <a16:creationId xmlns:a16="http://schemas.microsoft.com/office/drawing/2014/main" id="{E8F624C5-0611-5876-21BC-25AB95F449E7}"/>
+                <a16:creationId xmlns:a16="http://schemas.microsoft.com/office/drawing/2014/main" id="{BACD5084-F542-A266-E337-92D26ECE8081}"/>
               </a:ext>
             </a:extLst>
           </p:cNvPr>
@@ -2902,7 +2902,7 @@
             </a:lvl1pPr>
           </a:lstStyle>
           <a:p>
-            <a:fld id="{EF2532CF-D80D-49C6-A922-22AC6E0D8933}" type="datetimeFigureOut">
+            <a:fld id="{8EBCC96F-16D5-4467-8B27-804E849946FB}" type="datetimeFigureOut">
               <a:rPr lang="zh-CN" altLang="en-US" smtClean="0"/>
               <a:t>2024/3/10</a:t>
             </a:fld>
@@ -2915,7 +2915,7 @@
           <p:cNvPr id="5" name="页脚占位符 4">
             <a:extLst>
               <a:ext uri="{FF2B5EF4-FFF2-40B4-BE49-F238E27FC236}">
-                <a16:creationId xmlns:a16="http://schemas.microsoft.com/office/drawing/2014/main" id="{B257B28E-BC9B-B927-9BD0-D7576C41B710}"/>
+                <a16:creationId xmlns:a16="http://schemas.microsoft.com/office/drawing/2014/main" id="{44AB01EB-E91C-9AB9-0926-9E0AD649CB5E}"/>
               </a:ext>
             </a:extLst>
           </p:cNvPr>
@@ -2958,7 +2958,7 @@
           <p:cNvPr id="6" name="灯片编号占位符 5">
             <a:extLst>
               <a:ext uri="{FF2B5EF4-FFF2-40B4-BE49-F238E27FC236}">
-                <a16:creationId xmlns:a16="http://schemas.microsoft.com/office/drawing/2014/main" id="{760E1461-454C-676D-1812-BD5E5156FB9A}"/>
+                <a16:creationId xmlns:a16="http://schemas.microsoft.com/office/drawing/2014/main" id="{EB4B3947-5609-00B6-16BB-934D6D6B622C}"/>
               </a:ext>
             </a:extLst>
           </p:cNvPr>
@@ -2992,7 +2992,7 @@
             </a:lvl1pPr>
           </a:lstStyle>
           <a:p>
-            <a:fld id="{FD55776F-772A-40DB-A885-F279D3F18416}" type="slidenum">
+            <a:fld id="{51C5BE3C-F771-4F92-938F-E86CD875C043}" type="slidenum">
               <a:rPr lang="zh-CN" altLang="en-US" smtClean="0"/>
               <a:t>‹#›</a:t>
             </a:fld>
@@ -3003,7 +3003,7 @@
     </p:spTree>
     <p:extLst>
       <p:ext uri="{BB962C8B-B14F-4D97-AF65-F5344CB8AC3E}">
-        <p14:creationId xmlns:p14="http://schemas.microsoft.com/office/powerpoint/2010/main" val="3448115822"/>
+        <p14:creationId xmlns:p14="http://schemas.microsoft.com/office/powerpoint/2010/main" val="2079238044"/>
       </p:ext>
     </p:extLst>
   </p:cSld>
